--- a/WBS.pptx
+++ b/WBS.pptx
@@ -2999,6 +2999,13 @@
     <dgm:pt modelId="{1F5ADD18-03D8-4635-9620-4C74BAB0A14F}" type="pres">
       <dgm:prSet presAssocID="{C1ABC205-3892-4149-8787-00DDFDEEB5DF}" presName="Name37" presStyleLbl="parChTrans1D3" presStyleIdx="0" presStyleCnt="38"/>
       <dgm:spPr/>
+      <dgm:t>
+        <a:bodyPr/>
+        <a:lstStyle/>
+        <a:p>
+          <a:endParaRPr kumimoji="1" lang="ja-JP" altLang="en-US"/>
+        </a:p>
+      </dgm:t>
     </dgm:pt>
     <dgm:pt modelId="{50E4B267-CEC3-4346-8EF2-E76631035CBF}" type="pres">
       <dgm:prSet presAssocID="{5145E2CE-34B5-4564-B859-C66B4264E7C8}" presName="hierRoot2" presStyleCnt="0">
@@ -3019,10 +3026,24 @@
         </dgm:presLayoutVars>
       </dgm:prSet>
       <dgm:spPr/>
+      <dgm:t>
+        <a:bodyPr/>
+        <a:lstStyle/>
+        <a:p>
+          <a:endParaRPr kumimoji="1" lang="ja-JP" altLang="en-US"/>
+        </a:p>
+      </dgm:t>
     </dgm:pt>
     <dgm:pt modelId="{EF59B054-1AE5-4D32-85B3-DB5BD95C2AFA}" type="pres">
       <dgm:prSet presAssocID="{5145E2CE-34B5-4564-B859-C66B4264E7C8}" presName="rootConnector" presStyleLbl="node3" presStyleIdx="0" presStyleCnt="38"/>
       <dgm:spPr/>
+      <dgm:t>
+        <a:bodyPr/>
+        <a:lstStyle/>
+        <a:p>
+          <a:endParaRPr kumimoji="1" lang="ja-JP" altLang="en-US"/>
+        </a:p>
+      </dgm:t>
     </dgm:pt>
     <dgm:pt modelId="{BF1C1DDE-5113-4C36-B0AA-85A7A4D8A600}" type="pres">
       <dgm:prSet presAssocID="{5145E2CE-34B5-4564-B859-C66B4264E7C8}" presName="hierChild4" presStyleCnt="0"/>
@@ -3035,6 +3056,13 @@
     <dgm:pt modelId="{B68FB850-79A3-4992-9BCB-C8AAE407F519}" type="pres">
       <dgm:prSet presAssocID="{FA20501D-C969-4389-BCAB-B4DCA117612A}" presName="Name37" presStyleLbl="parChTrans1D3" presStyleIdx="1" presStyleCnt="38"/>
       <dgm:spPr/>
+      <dgm:t>
+        <a:bodyPr/>
+        <a:lstStyle/>
+        <a:p>
+          <a:endParaRPr kumimoji="1" lang="ja-JP" altLang="en-US"/>
+        </a:p>
+      </dgm:t>
     </dgm:pt>
     <dgm:pt modelId="{385AFBB3-2BA1-4A60-8C2B-C521C39FEBC0}" type="pres">
       <dgm:prSet presAssocID="{4FE72601-0040-426A-AF00-EFE4946D2C4B}" presName="hierRoot2" presStyleCnt="0">
@@ -3066,6 +3094,13 @@
     <dgm:pt modelId="{E61191F4-7791-41E8-A9B9-46474D1F4AD3}" type="pres">
       <dgm:prSet presAssocID="{4FE72601-0040-426A-AF00-EFE4946D2C4B}" presName="rootConnector" presStyleLbl="node3" presStyleIdx="1" presStyleCnt="38"/>
       <dgm:spPr/>
+      <dgm:t>
+        <a:bodyPr/>
+        <a:lstStyle/>
+        <a:p>
+          <a:endParaRPr kumimoji="1" lang="ja-JP" altLang="en-US"/>
+        </a:p>
+      </dgm:t>
     </dgm:pt>
     <dgm:pt modelId="{2EFCE56E-C528-4A1E-BD37-73886A19F206}" type="pres">
       <dgm:prSet presAssocID="{4FE72601-0040-426A-AF00-EFE4946D2C4B}" presName="hierChild4" presStyleCnt="0"/>
@@ -3078,6 +3113,13 @@
     <dgm:pt modelId="{D22F63FD-FFC1-40FE-9630-827889C69CCD}" type="pres">
       <dgm:prSet presAssocID="{6D24FEBB-8AB4-4240-9312-5899BE7D1D8F}" presName="Name37" presStyleLbl="parChTrans1D3" presStyleIdx="2" presStyleCnt="38"/>
       <dgm:spPr/>
+      <dgm:t>
+        <a:bodyPr/>
+        <a:lstStyle/>
+        <a:p>
+          <a:endParaRPr kumimoji="1" lang="ja-JP" altLang="en-US"/>
+        </a:p>
+      </dgm:t>
     </dgm:pt>
     <dgm:pt modelId="{B3E8243B-F03C-4319-99D4-0DBA4F40EED4}" type="pres">
       <dgm:prSet presAssocID="{C03AC45C-D73A-4CDA-9988-550EF2ADBDD0}" presName="hierRoot2" presStyleCnt="0">
@@ -3098,10 +3140,24 @@
         </dgm:presLayoutVars>
       </dgm:prSet>
       <dgm:spPr/>
+      <dgm:t>
+        <a:bodyPr/>
+        <a:lstStyle/>
+        <a:p>
+          <a:endParaRPr kumimoji="1" lang="ja-JP" altLang="en-US"/>
+        </a:p>
+      </dgm:t>
     </dgm:pt>
     <dgm:pt modelId="{9455ABD9-0487-4FAD-99BE-AFC595A6B563}" type="pres">
       <dgm:prSet presAssocID="{C03AC45C-D73A-4CDA-9988-550EF2ADBDD0}" presName="rootConnector" presStyleLbl="node3" presStyleIdx="2" presStyleCnt="38"/>
       <dgm:spPr/>
+      <dgm:t>
+        <a:bodyPr/>
+        <a:lstStyle/>
+        <a:p>
+          <a:endParaRPr kumimoji="1" lang="ja-JP" altLang="en-US"/>
+        </a:p>
+      </dgm:t>
     </dgm:pt>
     <dgm:pt modelId="{745CB0A9-4C4E-4E29-ACD3-BB08971B989F}" type="pres">
       <dgm:prSet presAssocID="{C03AC45C-D73A-4CDA-9988-550EF2ADBDD0}" presName="hierChild4" presStyleCnt="0"/>
@@ -3171,6 +3227,13 @@
     <dgm:pt modelId="{C7CDC412-B1D0-44F7-AAAC-BB360FEC2A55}" type="pres">
       <dgm:prSet presAssocID="{0ED5CA5D-21F7-4E64-859F-A80680657F9D}" presName="Name37" presStyleLbl="parChTrans1D3" presStyleIdx="3" presStyleCnt="38"/>
       <dgm:spPr/>
+      <dgm:t>
+        <a:bodyPr/>
+        <a:lstStyle/>
+        <a:p>
+          <a:endParaRPr kumimoji="1" lang="ja-JP" altLang="en-US"/>
+        </a:p>
+      </dgm:t>
     </dgm:pt>
     <dgm:pt modelId="{0DB91043-B35B-4C61-96D9-28C8CAB65350}" type="pres">
       <dgm:prSet presAssocID="{8E797352-6188-4106-BA0A-EFB6136B87CF}" presName="hierRoot2" presStyleCnt="0">
@@ -3191,10 +3254,24 @@
         </dgm:presLayoutVars>
       </dgm:prSet>
       <dgm:spPr/>
+      <dgm:t>
+        <a:bodyPr/>
+        <a:lstStyle/>
+        <a:p>
+          <a:endParaRPr kumimoji="1" lang="ja-JP" altLang="en-US"/>
+        </a:p>
+      </dgm:t>
     </dgm:pt>
     <dgm:pt modelId="{AE2BA98C-B665-426D-8EC5-266D31A69B80}" type="pres">
       <dgm:prSet presAssocID="{8E797352-6188-4106-BA0A-EFB6136B87CF}" presName="rootConnector" presStyleLbl="node3" presStyleIdx="3" presStyleCnt="38"/>
       <dgm:spPr/>
+      <dgm:t>
+        <a:bodyPr/>
+        <a:lstStyle/>
+        <a:p>
+          <a:endParaRPr kumimoji="1" lang="ja-JP" altLang="en-US"/>
+        </a:p>
+      </dgm:t>
     </dgm:pt>
     <dgm:pt modelId="{9E3A9AAC-99B0-4811-AFC2-2E75D1B7FF18}" type="pres">
       <dgm:prSet presAssocID="{8E797352-6188-4106-BA0A-EFB6136B87CF}" presName="hierChild4" presStyleCnt="0"/>
@@ -3264,6 +3341,13 @@
     <dgm:pt modelId="{243650E2-3EC2-4B6C-995B-EDAF9619025A}" type="pres">
       <dgm:prSet presAssocID="{23B94962-9AE2-4D9A-AA76-BDEAD563F240}" presName="Name37" presStyleLbl="parChTrans1D3" presStyleIdx="4" presStyleCnt="38"/>
       <dgm:spPr/>
+      <dgm:t>
+        <a:bodyPr/>
+        <a:lstStyle/>
+        <a:p>
+          <a:endParaRPr kumimoji="1" lang="ja-JP" altLang="en-US"/>
+        </a:p>
+      </dgm:t>
     </dgm:pt>
     <dgm:pt modelId="{E808D25A-EAF8-4E10-A439-7CEA69C0C75C}" type="pres">
       <dgm:prSet presAssocID="{5F6934E2-3652-47FD-9F4E-35ACC42FA03E}" presName="hierRoot2" presStyleCnt="0">
@@ -3284,10 +3368,24 @@
         </dgm:presLayoutVars>
       </dgm:prSet>
       <dgm:spPr/>
+      <dgm:t>
+        <a:bodyPr/>
+        <a:lstStyle/>
+        <a:p>
+          <a:endParaRPr kumimoji="1" lang="ja-JP" altLang="en-US"/>
+        </a:p>
+      </dgm:t>
     </dgm:pt>
     <dgm:pt modelId="{557DDEB4-D5F6-41AE-8D45-10935D7D2877}" type="pres">
       <dgm:prSet presAssocID="{5F6934E2-3652-47FD-9F4E-35ACC42FA03E}" presName="rootConnector" presStyleLbl="node3" presStyleIdx="4" presStyleCnt="38"/>
       <dgm:spPr/>
+      <dgm:t>
+        <a:bodyPr/>
+        <a:lstStyle/>
+        <a:p>
+          <a:endParaRPr kumimoji="1" lang="ja-JP" altLang="en-US"/>
+        </a:p>
+      </dgm:t>
     </dgm:pt>
     <dgm:pt modelId="{57CD212C-4E81-4184-BF2B-B5A3B9791151}" type="pres">
       <dgm:prSet presAssocID="{5F6934E2-3652-47FD-9F4E-35ACC42FA03E}" presName="hierChild4" presStyleCnt="0"/>
@@ -3300,6 +3398,13 @@
     <dgm:pt modelId="{EE7722EB-69D5-4A44-808A-82D94C9F8A33}" type="pres">
       <dgm:prSet presAssocID="{A549D3E7-44FB-432F-9FC7-D0393CCF0D22}" presName="Name37" presStyleLbl="parChTrans1D3" presStyleIdx="5" presStyleCnt="38"/>
       <dgm:spPr/>
+      <dgm:t>
+        <a:bodyPr/>
+        <a:lstStyle/>
+        <a:p>
+          <a:endParaRPr kumimoji="1" lang="ja-JP" altLang="en-US"/>
+        </a:p>
+      </dgm:t>
     </dgm:pt>
     <dgm:pt modelId="{FA39BC47-569B-4E23-AEF8-ED56405775A9}" type="pres">
       <dgm:prSet presAssocID="{AAAF24B4-BCA9-4AC4-8E6D-16841DAAB3EA}" presName="hierRoot2" presStyleCnt="0">
@@ -3320,10 +3425,24 @@
         </dgm:presLayoutVars>
       </dgm:prSet>
       <dgm:spPr/>
+      <dgm:t>
+        <a:bodyPr/>
+        <a:lstStyle/>
+        <a:p>
+          <a:endParaRPr kumimoji="1" lang="ja-JP" altLang="en-US"/>
+        </a:p>
+      </dgm:t>
     </dgm:pt>
     <dgm:pt modelId="{73EEBE89-A8B6-4B9C-B42B-C74E77346FFB}" type="pres">
       <dgm:prSet presAssocID="{AAAF24B4-BCA9-4AC4-8E6D-16841DAAB3EA}" presName="rootConnector" presStyleLbl="node3" presStyleIdx="5" presStyleCnt="38"/>
       <dgm:spPr/>
+      <dgm:t>
+        <a:bodyPr/>
+        <a:lstStyle/>
+        <a:p>
+          <a:endParaRPr kumimoji="1" lang="ja-JP" altLang="en-US"/>
+        </a:p>
+      </dgm:t>
     </dgm:pt>
     <dgm:pt modelId="{8D865F47-72F9-4B99-89F4-6DF585FFE9DB}" type="pres">
       <dgm:prSet presAssocID="{AAAF24B4-BCA9-4AC4-8E6D-16841DAAB3EA}" presName="hierChild4" presStyleCnt="0"/>
@@ -3336,6 +3455,13 @@
     <dgm:pt modelId="{1CCD66E2-40B3-485A-9570-CADFDD409BB2}" type="pres">
       <dgm:prSet presAssocID="{045472CC-421A-47F9-BC62-8F2FE51AB121}" presName="Name37" presStyleLbl="parChTrans1D3" presStyleIdx="6" presStyleCnt="38"/>
       <dgm:spPr/>
+      <dgm:t>
+        <a:bodyPr/>
+        <a:lstStyle/>
+        <a:p>
+          <a:endParaRPr kumimoji="1" lang="ja-JP" altLang="en-US"/>
+        </a:p>
+      </dgm:t>
     </dgm:pt>
     <dgm:pt modelId="{5E52E430-CEE1-4F55-A8ED-1D2421C851AD}" type="pres">
       <dgm:prSet presAssocID="{11C0E6B2-BD51-494C-BE3E-63585F54C091}" presName="hierRoot2" presStyleCnt="0">
@@ -3356,10 +3482,24 @@
         </dgm:presLayoutVars>
       </dgm:prSet>
       <dgm:spPr/>
+      <dgm:t>
+        <a:bodyPr/>
+        <a:lstStyle/>
+        <a:p>
+          <a:endParaRPr kumimoji="1" lang="ja-JP" altLang="en-US"/>
+        </a:p>
+      </dgm:t>
     </dgm:pt>
     <dgm:pt modelId="{070CC5F0-266E-439B-9FD4-67EBF188DC68}" type="pres">
       <dgm:prSet presAssocID="{11C0E6B2-BD51-494C-BE3E-63585F54C091}" presName="rootConnector" presStyleLbl="node3" presStyleIdx="6" presStyleCnt="38"/>
       <dgm:spPr/>
+      <dgm:t>
+        <a:bodyPr/>
+        <a:lstStyle/>
+        <a:p>
+          <a:endParaRPr kumimoji="1" lang="ja-JP" altLang="en-US"/>
+        </a:p>
+      </dgm:t>
     </dgm:pt>
     <dgm:pt modelId="{E7B099D9-4286-445C-BA5E-810FC2ABECBC}" type="pres">
       <dgm:prSet presAssocID="{11C0E6B2-BD51-494C-BE3E-63585F54C091}" presName="hierChild4" presStyleCnt="0"/>
@@ -3372,6 +3512,13 @@
     <dgm:pt modelId="{82A37F43-4A7F-4990-9D54-3FA71982EE5C}" type="pres">
       <dgm:prSet presAssocID="{432BFBA0-F12F-4E53-B37F-584E05E8FC98}" presName="Name37" presStyleLbl="parChTrans1D3" presStyleIdx="7" presStyleCnt="38"/>
       <dgm:spPr/>
+      <dgm:t>
+        <a:bodyPr/>
+        <a:lstStyle/>
+        <a:p>
+          <a:endParaRPr kumimoji="1" lang="ja-JP" altLang="en-US"/>
+        </a:p>
+      </dgm:t>
     </dgm:pt>
     <dgm:pt modelId="{6D3B932D-CB2F-4ADA-9266-7BB6311D59CA}" type="pres">
       <dgm:prSet presAssocID="{774C86B4-36AC-45F1-AB85-1E3860858161}" presName="hierRoot2" presStyleCnt="0">
@@ -3392,10 +3539,24 @@
         </dgm:presLayoutVars>
       </dgm:prSet>
       <dgm:spPr/>
+      <dgm:t>
+        <a:bodyPr/>
+        <a:lstStyle/>
+        <a:p>
+          <a:endParaRPr kumimoji="1" lang="ja-JP" altLang="en-US"/>
+        </a:p>
+      </dgm:t>
     </dgm:pt>
     <dgm:pt modelId="{0225A8E6-61B1-4788-91F5-5388EFA0881A}" type="pres">
       <dgm:prSet presAssocID="{774C86B4-36AC-45F1-AB85-1E3860858161}" presName="rootConnector" presStyleLbl="node3" presStyleIdx="7" presStyleCnt="38"/>
       <dgm:spPr/>
+      <dgm:t>
+        <a:bodyPr/>
+        <a:lstStyle/>
+        <a:p>
+          <a:endParaRPr kumimoji="1" lang="ja-JP" altLang="en-US"/>
+        </a:p>
+      </dgm:t>
     </dgm:pt>
     <dgm:pt modelId="{E3299A2B-7448-49EF-B5E8-EF85C78B3209}" type="pres">
       <dgm:prSet presAssocID="{774C86B4-36AC-45F1-AB85-1E3860858161}" presName="hierChild4" presStyleCnt="0"/>
@@ -3408,6 +3569,13 @@
     <dgm:pt modelId="{A74AFD65-4B5C-467E-9A54-32E29B81BBF3}" type="pres">
       <dgm:prSet presAssocID="{35F4ED17-F220-4955-A94C-4A52884CD056}" presName="Name37" presStyleLbl="parChTrans1D3" presStyleIdx="8" presStyleCnt="38"/>
       <dgm:spPr/>
+      <dgm:t>
+        <a:bodyPr/>
+        <a:lstStyle/>
+        <a:p>
+          <a:endParaRPr kumimoji="1" lang="ja-JP" altLang="en-US"/>
+        </a:p>
+      </dgm:t>
     </dgm:pt>
     <dgm:pt modelId="{A2C0329A-566B-4AF6-A431-9DF290605218}" type="pres">
       <dgm:prSet presAssocID="{A055DB12-AF59-4EA4-8729-D2A93D6D8122}" presName="hierRoot2" presStyleCnt="0">
@@ -3428,10 +3596,24 @@
         </dgm:presLayoutVars>
       </dgm:prSet>
       <dgm:spPr/>
+      <dgm:t>
+        <a:bodyPr/>
+        <a:lstStyle/>
+        <a:p>
+          <a:endParaRPr kumimoji="1" lang="ja-JP" altLang="en-US"/>
+        </a:p>
+      </dgm:t>
     </dgm:pt>
     <dgm:pt modelId="{144B6899-AE76-43E3-9551-8AED96CE31F9}" type="pres">
       <dgm:prSet presAssocID="{A055DB12-AF59-4EA4-8729-D2A93D6D8122}" presName="rootConnector" presStyleLbl="node3" presStyleIdx="8" presStyleCnt="38"/>
       <dgm:spPr/>
+      <dgm:t>
+        <a:bodyPr/>
+        <a:lstStyle/>
+        <a:p>
+          <a:endParaRPr kumimoji="1" lang="ja-JP" altLang="en-US"/>
+        </a:p>
+      </dgm:t>
     </dgm:pt>
     <dgm:pt modelId="{BD027186-6FA1-4A57-89F9-B56419C37C94}" type="pres">
       <dgm:prSet presAssocID="{A055DB12-AF59-4EA4-8729-D2A93D6D8122}" presName="hierChild4" presStyleCnt="0"/>
@@ -3444,6 +3626,13 @@
     <dgm:pt modelId="{E78EF2CB-1688-4159-99D0-E72A571BFC47}" type="pres">
       <dgm:prSet presAssocID="{E3F33888-5BCD-42B0-B176-C38061FFB7E6}" presName="Name37" presStyleLbl="parChTrans1D3" presStyleIdx="9" presStyleCnt="38"/>
       <dgm:spPr/>
+      <dgm:t>
+        <a:bodyPr/>
+        <a:lstStyle/>
+        <a:p>
+          <a:endParaRPr kumimoji="1" lang="ja-JP" altLang="en-US"/>
+        </a:p>
+      </dgm:t>
     </dgm:pt>
     <dgm:pt modelId="{183C5728-769C-4C06-B0F4-FCB8632904F1}" type="pres">
       <dgm:prSet presAssocID="{BA2FF07F-AE9E-4B11-8BF9-89A070D45783}" presName="hierRoot2" presStyleCnt="0">
@@ -3464,10 +3653,24 @@
         </dgm:presLayoutVars>
       </dgm:prSet>
       <dgm:spPr/>
+      <dgm:t>
+        <a:bodyPr/>
+        <a:lstStyle/>
+        <a:p>
+          <a:endParaRPr kumimoji="1" lang="ja-JP" altLang="en-US"/>
+        </a:p>
+      </dgm:t>
     </dgm:pt>
     <dgm:pt modelId="{7A56A10E-D46A-440F-945C-4F17A387D5BF}" type="pres">
       <dgm:prSet presAssocID="{BA2FF07F-AE9E-4B11-8BF9-89A070D45783}" presName="rootConnector" presStyleLbl="node3" presStyleIdx="9" presStyleCnt="38"/>
       <dgm:spPr/>
+      <dgm:t>
+        <a:bodyPr/>
+        <a:lstStyle/>
+        <a:p>
+          <a:endParaRPr kumimoji="1" lang="ja-JP" altLang="en-US"/>
+        </a:p>
+      </dgm:t>
     </dgm:pt>
     <dgm:pt modelId="{F9A20ADB-F10A-4D55-BAA6-54F6F0A87DCC}" type="pres">
       <dgm:prSet presAssocID="{BA2FF07F-AE9E-4B11-8BF9-89A070D45783}" presName="hierChild4" presStyleCnt="0"/>
@@ -3480,6 +3683,13 @@
     <dgm:pt modelId="{CACA6E69-F473-4B5E-8FCE-F7ADCA0B6290}" type="pres">
       <dgm:prSet presAssocID="{D0472795-6663-4770-A630-B02A8FCE8B9E}" presName="Name37" presStyleLbl="parChTrans1D3" presStyleIdx="10" presStyleCnt="38"/>
       <dgm:spPr/>
+      <dgm:t>
+        <a:bodyPr/>
+        <a:lstStyle/>
+        <a:p>
+          <a:endParaRPr kumimoji="1" lang="ja-JP" altLang="en-US"/>
+        </a:p>
+      </dgm:t>
     </dgm:pt>
     <dgm:pt modelId="{A998E0D4-5C8F-46A0-A87C-C5039099BCAC}" type="pres">
       <dgm:prSet presAssocID="{B0E03EEE-7E4F-44FF-AB7A-916D40A3D9ED}" presName="hierRoot2" presStyleCnt="0">
@@ -3500,10 +3710,24 @@
         </dgm:presLayoutVars>
       </dgm:prSet>
       <dgm:spPr/>
+      <dgm:t>
+        <a:bodyPr/>
+        <a:lstStyle/>
+        <a:p>
+          <a:endParaRPr kumimoji="1" lang="ja-JP" altLang="en-US"/>
+        </a:p>
+      </dgm:t>
     </dgm:pt>
     <dgm:pt modelId="{EB0AA558-D8C9-48C8-9317-A7412ACC4726}" type="pres">
       <dgm:prSet presAssocID="{B0E03EEE-7E4F-44FF-AB7A-916D40A3D9ED}" presName="rootConnector" presStyleLbl="node3" presStyleIdx="10" presStyleCnt="38"/>
       <dgm:spPr/>
+      <dgm:t>
+        <a:bodyPr/>
+        <a:lstStyle/>
+        <a:p>
+          <a:endParaRPr kumimoji="1" lang="ja-JP" altLang="en-US"/>
+        </a:p>
+      </dgm:t>
     </dgm:pt>
     <dgm:pt modelId="{54F4A01C-7210-49DA-B8BF-7A2A50124E36}" type="pres">
       <dgm:prSet presAssocID="{B0E03EEE-7E4F-44FF-AB7A-916D40A3D9ED}" presName="hierChild4" presStyleCnt="0"/>
@@ -3573,6 +3797,13 @@
     <dgm:pt modelId="{EBACEB3B-2BF5-4A89-8866-D6761DCA0F37}" type="pres">
       <dgm:prSet presAssocID="{F45283B0-CDB8-4B50-8E2D-DB892CBC53B6}" presName="Name37" presStyleLbl="parChTrans1D3" presStyleIdx="11" presStyleCnt="38"/>
       <dgm:spPr/>
+      <dgm:t>
+        <a:bodyPr/>
+        <a:lstStyle/>
+        <a:p>
+          <a:endParaRPr kumimoji="1" lang="ja-JP" altLang="en-US"/>
+        </a:p>
+      </dgm:t>
     </dgm:pt>
     <dgm:pt modelId="{02BA3CC8-EC3A-47AB-9BA5-960B1E34C60A}" type="pres">
       <dgm:prSet presAssocID="{DA5DED34-7362-4AEC-A2E8-F2F4E6581D38}" presName="hierRoot2" presStyleCnt="0">
@@ -3604,6 +3835,13 @@
     <dgm:pt modelId="{9E823182-82CF-49FA-9965-00FC6655A78F}" type="pres">
       <dgm:prSet presAssocID="{DA5DED34-7362-4AEC-A2E8-F2F4E6581D38}" presName="rootConnector" presStyleLbl="node3" presStyleIdx="11" presStyleCnt="38"/>
       <dgm:spPr/>
+      <dgm:t>
+        <a:bodyPr/>
+        <a:lstStyle/>
+        <a:p>
+          <a:endParaRPr kumimoji="1" lang="ja-JP" altLang="en-US"/>
+        </a:p>
+      </dgm:t>
     </dgm:pt>
     <dgm:pt modelId="{0F98D33D-278A-47FF-9F3B-AD35EB79F18A}" type="pres">
       <dgm:prSet presAssocID="{DA5DED34-7362-4AEC-A2E8-F2F4E6581D38}" presName="hierChild4" presStyleCnt="0"/>
@@ -3616,6 +3854,13 @@
     <dgm:pt modelId="{D89633E2-E19A-4171-B93A-DF99E0B81F1C}" type="pres">
       <dgm:prSet presAssocID="{D3F2DB36-1E2D-4409-8FA7-FFB1EC2CB74B}" presName="Name37" presStyleLbl="parChTrans1D3" presStyleIdx="12" presStyleCnt="38"/>
       <dgm:spPr/>
+      <dgm:t>
+        <a:bodyPr/>
+        <a:lstStyle/>
+        <a:p>
+          <a:endParaRPr kumimoji="1" lang="ja-JP" altLang="en-US"/>
+        </a:p>
+      </dgm:t>
     </dgm:pt>
     <dgm:pt modelId="{D58AAC90-E901-42C7-87FE-A7C390C3EE0C}" type="pres">
       <dgm:prSet presAssocID="{0D0060CB-5FAA-4C61-8AB0-B9CE24D19A71}" presName="hierRoot2" presStyleCnt="0">
@@ -3636,10 +3881,24 @@
         </dgm:presLayoutVars>
       </dgm:prSet>
       <dgm:spPr/>
+      <dgm:t>
+        <a:bodyPr/>
+        <a:lstStyle/>
+        <a:p>
+          <a:endParaRPr kumimoji="1" lang="ja-JP" altLang="en-US"/>
+        </a:p>
+      </dgm:t>
     </dgm:pt>
     <dgm:pt modelId="{25287B2C-0FF0-4B2A-AFE1-6B9C37810265}" type="pres">
       <dgm:prSet presAssocID="{0D0060CB-5FAA-4C61-8AB0-B9CE24D19A71}" presName="rootConnector" presStyleLbl="node3" presStyleIdx="12" presStyleCnt="38"/>
       <dgm:spPr/>
+      <dgm:t>
+        <a:bodyPr/>
+        <a:lstStyle/>
+        <a:p>
+          <a:endParaRPr kumimoji="1" lang="ja-JP" altLang="en-US"/>
+        </a:p>
+      </dgm:t>
     </dgm:pt>
     <dgm:pt modelId="{E017661A-3B65-4FB2-9CA8-A34DE195D233}" type="pres">
       <dgm:prSet presAssocID="{0D0060CB-5FAA-4C61-8AB0-B9CE24D19A71}" presName="hierChild4" presStyleCnt="0"/>
@@ -3652,6 +3911,13 @@
     <dgm:pt modelId="{CC8BD1DC-391F-45F5-8B72-0395A14DDAB1}" type="pres">
       <dgm:prSet presAssocID="{AF8B6D7C-FE14-41B2-9E74-6F0A6017E0DD}" presName="Name37" presStyleLbl="parChTrans1D3" presStyleIdx="13" presStyleCnt="38"/>
       <dgm:spPr/>
+      <dgm:t>
+        <a:bodyPr/>
+        <a:lstStyle/>
+        <a:p>
+          <a:endParaRPr kumimoji="1" lang="ja-JP" altLang="en-US"/>
+        </a:p>
+      </dgm:t>
     </dgm:pt>
     <dgm:pt modelId="{0890DC91-1B99-4327-92F6-0543421633CE}" type="pres">
       <dgm:prSet presAssocID="{AE8556BE-91D5-43AE-B072-FEDF5E548375}" presName="hierRoot2" presStyleCnt="0">
@@ -3672,10 +3938,24 @@
         </dgm:presLayoutVars>
       </dgm:prSet>
       <dgm:spPr/>
+      <dgm:t>
+        <a:bodyPr/>
+        <a:lstStyle/>
+        <a:p>
+          <a:endParaRPr kumimoji="1" lang="ja-JP" altLang="en-US"/>
+        </a:p>
+      </dgm:t>
     </dgm:pt>
     <dgm:pt modelId="{79223C6C-E373-481B-8F96-0CEBB922F686}" type="pres">
       <dgm:prSet presAssocID="{AE8556BE-91D5-43AE-B072-FEDF5E548375}" presName="rootConnector" presStyleLbl="node3" presStyleIdx="13" presStyleCnt="38"/>
       <dgm:spPr/>
+      <dgm:t>
+        <a:bodyPr/>
+        <a:lstStyle/>
+        <a:p>
+          <a:endParaRPr kumimoji="1" lang="ja-JP" altLang="en-US"/>
+        </a:p>
+      </dgm:t>
     </dgm:pt>
     <dgm:pt modelId="{9DDD67A2-F59E-40C6-A79F-713EB6F9047A}" type="pres">
       <dgm:prSet presAssocID="{AE8556BE-91D5-43AE-B072-FEDF5E548375}" presName="hierChild4" presStyleCnt="0"/>
@@ -3688,6 +3968,13 @@
     <dgm:pt modelId="{4CD28EA6-93E9-44CD-866C-B9A18E4D55B2}" type="pres">
       <dgm:prSet presAssocID="{A717AFF2-EB2B-4A3A-BC5A-0AB4B4EF97B7}" presName="Name37" presStyleLbl="parChTrans1D3" presStyleIdx="14" presStyleCnt="38"/>
       <dgm:spPr/>
+      <dgm:t>
+        <a:bodyPr/>
+        <a:lstStyle/>
+        <a:p>
+          <a:endParaRPr kumimoji="1" lang="ja-JP" altLang="en-US"/>
+        </a:p>
+      </dgm:t>
     </dgm:pt>
     <dgm:pt modelId="{83FF93E8-8523-4017-9C81-459337C5BEA3}" type="pres">
       <dgm:prSet presAssocID="{2274B5E9-B564-440F-B921-2AF3264B0A11}" presName="hierRoot2" presStyleCnt="0">
@@ -3708,10 +3995,24 @@
         </dgm:presLayoutVars>
       </dgm:prSet>
       <dgm:spPr/>
+      <dgm:t>
+        <a:bodyPr/>
+        <a:lstStyle/>
+        <a:p>
+          <a:endParaRPr kumimoji="1" lang="ja-JP" altLang="en-US"/>
+        </a:p>
+      </dgm:t>
     </dgm:pt>
     <dgm:pt modelId="{FD05CB21-0620-43AD-A682-476F9202A391}" type="pres">
       <dgm:prSet presAssocID="{2274B5E9-B564-440F-B921-2AF3264B0A11}" presName="rootConnector" presStyleLbl="node3" presStyleIdx="14" presStyleCnt="38"/>
       <dgm:spPr/>
+      <dgm:t>
+        <a:bodyPr/>
+        <a:lstStyle/>
+        <a:p>
+          <a:endParaRPr kumimoji="1" lang="ja-JP" altLang="en-US"/>
+        </a:p>
+      </dgm:t>
     </dgm:pt>
     <dgm:pt modelId="{BD8B3F0F-7FB6-487F-909C-E612177BBC57}" type="pres">
       <dgm:prSet presAssocID="{2274B5E9-B564-440F-B921-2AF3264B0A11}" presName="hierChild4" presStyleCnt="0"/>
@@ -3781,6 +4082,13 @@
     <dgm:pt modelId="{A04A283F-C078-4638-8BAB-85402EAF4769}" type="pres">
       <dgm:prSet presAssocID="{CF9F66E9-3173-400B-9A2D-0F357A9D0AE0}" presName="Name37" presStyleLbl="parChTrans1D3" presStyleIdx="15" presStyleCnt="38"/>
       <dgm:spPr/>
+      <dgm:t>
+        <a:bodyPr/>
+        <a:lstStyle/>
+        <a:p>
+          <a:endParaRPr kumimoji="1" lang="ja-JP" altLang="en-US"/>
+        </a:p>
+      </dgm:t>
     </dgm:pt>
     <dgm:pt modelId="{C1D4C8B2-D458-4E28-8D2A-6F7D76E53C9B}" type="pres">
       <dgm:prSet presAssocID="{2E0E44A8-9F06-46C4-A276-8CACA6C985C0}" presName="hierRoot2" presStyleCnt="0">
@@ -3801,10 +4109,24 @@
         </dgm:presLayoutVars>
       </dgm:prSet>
       <dgm:spPr/>
+      <dgm:t>
+        <a:bodyPr/>
+        <a:lstStyle/>
+        <a:p>
+          <a:endParaRPr kumimoji="1" lang="ja-JP" altLang="en-US"/>
+        </a:p>
+      </dgm:t>
     </dgm:pt>
     <dgm:pt modelId="{99B172F7-1231-41CE-887C-515E3B93E667}" type="pres">
       <dgm:prSet presAssocID="{2E0E44A8-9F06-46C4-A276-8CACA6C985C0}" presName="rootConnector" presStyleLbl="node3" presStyleIdx="15" presStyleCnt="38"/>
       <dgm:spPr/>
+      <dgm:t>
+        <a:bodyPr/>
+        <a:lstStyle/>
+        <a:p>
+          <a:endParaRPr kumimoji="1" lang="ja-JP" altLang="en-US"/>
+        </a:p>
+      </dgm:t>
     </dgm:pt>
     <dgm:pt modelId="{D4119697-AD69-4809-9D2D-136B359912E4}" type="pres">
       <dgm:prSet presAssocID="{2E0E44A8-9F06-46C4-A276-8CACA6C985C0}" presName="hierChild4" presStyleCnt="0"/>
@@ -3874,6 +4196,13 @@
     <dgm:pt modelId="{1A292CED-F2E0-4A5C-A688-C77851DE8E5B}" type="pres">
       <dgm:prSet presAssocID="{8AB432BB-64E1-4627-9758-5FB99EC7B0CB}" presName="Name37" presStyleLbl="parChTrans1D3" presStyleIdx="16" presStyleCnt="38"/>
       <dgm:spPr/>
+      <dgm:t>
+        <a:bodyPr/>
+        <a:lstStyle/>
+        <a:p>
+          <a:endParaRPr kumimoji="1" lang="ja-JP" altLang="en-US"/>
+        </a:p>
+      </dgm:t>
     </dgm:pt>
     <dgm:pt modelId="{E25AF19D-76DC-41A0-9D62-C0ABFAC0031C}" type="pres">
       <dgm:prSet presAssocID="{C57EE834-9F6A-4FCF-ABCE-8F96FC355C5A}" presName="hierRoot2" presStyleCnt="0">
@@ -3894,10 +4223,24 @@
         </dgm:presLayoutVars>
       </dgm:prSet>
       <dgm:spPr/>
+      <dgm:t>
+        <a:bodyPr/>
+        <a:lstStyle/>
+        <a:p>
+          <a:endParaRPr kumimoji="1" lang="ja-JP" altLang="en-US"/>
+        </a:p>
+      </dgm:t>
     </dgm:pt>
     <dgm:pt modelId="{9EBEA176-4C62-49C5-B428-F69B1A1FD463}" type="pres">
       <dgm:prSet presAssocID="{C57EE834-9F6A-4FCF-ABCE-8F96FC355C5A}" presName="rootConnector" presStyleLbl="node3" presStyleIdx="16" presStyleCnt="38"/>
       <dgm:spPr/>
+      <dgm:t>
+        <a:bodyPr/>
+        <a:lstStyle/>
+        <a:p>
+          <a:endParaRPr kumimoji="1" lang="ja-JP" altLang="en-US"/>
+        </a:p>
+      </dgm:t>
     </dgm:pt>
     <dgm:pt modelId="{081A5B58-5B08-422C-988B-6D2A8D43B4C9}" type="pres">
       <dgm:prSet presAssocID="{C57EE834-9F6A-4FCF-ABCE-8F96FC355C5A}" presName="hierChild4" presStyleCnt="0"/>
@@ -3967,6 +4310,13 @@
     <dgm:pt modelId="{04513F11-EEDE-45B2-AC22-D86836842685}" type="pres">
       <dgm:prSet presAssocID="{36EDA6E0-FF69-4CC2-8874-DAECEAD49023}" presName="Name37" presStyleLbl="parChTrans1D3" presStyleIdx="17" presStyleCnt="38"/>
       <dgm:spPr/>
+      <dgm:t>
+        <a:bodyPr/>
+        <a:lstStyle/>
+        <a:p>
+          <a:endParaRPr kumimoji="1" lang="ja-JP" altLang="en-US"/>
+        </a:p>
+      </dgm:t>
     </dgm:pt>
     <dgm:pt modelId="{43536915-25FD-42B4-B451-312B151835FD}" type="pres">
       <dgm:prSet presAssocID="{8815A651-E17E-4C0A-B173-5766A87AE9E5}" presName="hierRoot2" presStyleCnt="0">
@@ -3987,10 +4337,24 @@
         </dgm:presLayoutVars>
       </dgm:prSet>
       <dgm:spPr/>
+      <dgm:t>
+        <a:bodyPr/>
+        <a:lstStyle/>
+        <a:p>
+          <a:endParaRPr kumimoji="1" lang="ja-JP" altLang="en-US"/>
+        </a:p>
+      </dgm:t>
     </dgm:pt>
     <dgm:pt modelId="{0999827E-5A9B-4A27-9FAF-87EC882618D9}" type="pres">
       <dgm:prSet presAssocID="{8815A651-E17E-4C0A-B173-5766A87AE9E5}" presName="rootConnector" presStyleLbl="node3" presStyleIdx="17" presStyleCnt="38"/>
       <dgm:spPr/>
+      <dgm:t>
+        <a:bodyPr/>
+        <a:lstStyle/>
+        <a:p>
+          <a:endParaRPr kumimoji="1" lang="ja-JP" altLang="en-US"/>
+        </a:p>
+      </dgm:t>
     </dgm:pt>
     <dgm:pt modelId="{6AA83621-DC70-4CFF-A985-637DC7C6D304}" type="pres">
       <dgm:prSet presAssocID="{8815A651-E17E-4C0A-B173-5766A87AE9E5}" presName="hierChild4" presStyleCnt="0"/>
@@ -4060,6 +4424,13 @@
     <dgm:pt modelId="{3DC294CC-E193-4311-954B-E291AA2248D8}" type="pres">
       <dgm:prSet presAssocID="{6D816F03-14F5-469C-9C83-4EC529F73AB2}" presName="Name37" presStyleLbl="parChTrans1D3" presStyleIdx="18" presStyleCnt="38"/>
       <dgm:spPr/>
+      <dgm:t>
+        <a:bodyPr/>
+        <a:lstStyle/>
+        <a:p>
+          <a:endParaRPr kumimoji="1" lang="ja-JP" altLang="en-US"/>
+        </a:p>
+      </dgm:t>
     </dgm:pt>
     <dgm:pt modelId="{F811CD2B-3BD3-40BA-894A-707D5FABF2BE}" type="pres">
       <dgm:prSet presAssocID="{64ECC929-4C4D-4626-ADCA-8FF9BF4701DC}" presName="hierRoot2" presStyleCnt="0">
@@ -4080,10 +4451,24 @@
         </dgm:presLayoutVars>
       </dgm:prSet>
       <dgm:spPr/>
+      <dgm:t>
+        <a:bodyPr/>
+        <a:lstStyle/>
+        <a:p>
+          <a:endParaRPr kumimoji="1" lang="ja-JP" altLang="en-US"/>
+        </a:p>
+      </dgm:t>
     </dgm:pt>
     <dgm:pt modelId="{46209BC8-7BB6-426F-873E-CEE71DD4D649}" type="pres">
       <dgm:prSet presAssocID="{64ECC929-4C4D-4626-ADCA-8FF9BF4701DC}" presName="rootConnector" presStyleLbl="node3" presStyleIdx="18" presStyleCnt="38"/>
       <dgm:spPr/>
+      <dgm:t>
+        <a:bodyPr/>
+        <a:lstStyle/>
+        <a:p>
+          <a:endParaRPr kumimoji="1" lang="ja-JP" altLang="en-US"/>
+        </a:p>
+      </dgm:t>
     </dgm:pt>
     <dgm:pt modelId="{F96D6807-85FC-4C92-BC1D-5A3219754CCD}" type="pres">
       <dgm:prSet presAssocID="{64ECC929-4C4D-4626-ADCA-8FF9BF4701DC}" presName="hierChild4" presStyleCnt="0"/>
@@ -4096,6 +4481,13 @@
     <dgm:pt modelId="{EE8709A1-78DE-4232-BA52-F09B2EC3D8FB}" type="pres">
       <dgm:prSet presAssocID="{962AF601-138E-4E25-A41F-0A7226725898}" presName="Name37" presStyleLbl="parChTrans1D3" presStyleIdx="19" presStyleCnt="38"/>
       <dgm:spPr/>
+      <dgm:t>
+        <a:bodyPr/>
+        <a:lstStyle/>
+        <a:p>
+          <a:endParaRPr kumimoji="1" lang="ja-JP" altLang="en-US"/>
+        </a:p>
+      </dgm:t>
     </dgm:pt>
     <dgm:pt modelId="{30172AE1-750E-4299-89D4-9D773947E8E1}" type="pres">
       <dgm:prSet presAssocID="{F0EAD593-7186-4CFA-9175-0458FC1C04F1}" presName="hierRoot2" presStyleCnt="0">
@@ -4116,10 +4508,24 @@
         </dgm:presLayoutVars>
       </dgm:prSet>
       <dgm:spPr/>
+      <dgm:t>
+        <a:bodyPr/>
+        <a:lstStyle/>
+        <a:p>
+          <a:endParaRPr kumimoji="1" lang="ja-JP" altLang="en-US"/>
+        </a:p>
+      </dgm:t>
     </dgm:pt>
     <dgm:pt modelId="{D8F2F24C-8ACA-48A5-886A-B7981B1B8A07}" type="pres">
       <dgm:prSet presAssocID="{F0EAD593-7186-4CFA-9175-0458FC1C04F1}" presName="rootConnector" presStyleLbl="node3" presStyleIdx="19" presStyleCnt="38"/>
       <dgm:spPr/>
+      <dgm:t>
+        <a:bodyPr/>
+        <a:lstStyle/>
+        <a:p>
+          <a:endParaRPr kumimoji="1" lang="ja-JP" altLang="en-US"/>
+        </a:p>
+      </dgm:t>
     </dgm:pt>
     <dgm:pt modelId="{A068CD6E-71EA-4CD0-82BF-C3B5813F8666}" type="pres">
       <dgm:prSet presAssocID="{F0EAD593-7186-4CFA-9175-0458FC1C04F1}" presName="hierChild4" presStyleCnt="0"/>
@@ -4189,6 +4595,13 @@
     <dgm:pt modelId="{9E77DF7B-F516-410A-BE82-DB983A337D04}" type="pres">
       <dgm:prSet presAssocID="{4465E31B-3A66-4946-861B-F2B9BE207741}" presName="Name37" presStyleLbl="parChTrans1D3" presStyleIdx="20" presStyleCnt="38"/>
       <dgm:spPr/>
+      <dgm:t>
+        <a:bodyPr/>
+        <a:lstStyle/>
+        <a:p>
+          <a:endParaRPr kumimoji="1" lang="ja-JP" altLang="en-US"/>
+        </a:p>
+      </dgm:t>
     </dgm:pt>
     <dgm:pt modelId="{0EC1A1ED-DDD2-42C6-AB0D-54D8E5F5BA97}" type="pres">
       <dgm:prSet presAssocID="{1CFA34DE-C7A8-4B3F-9D38-C81E42DB026D}" presName="hierRoot2" presStyleCnt="0">
@@ -4220,6 +4633,13 @@
     <dgm:pt modelId="{CDBAEB8A-95AE-4764-A7AD-F925B929330C}" type="pres">
       <dgm:prSet presAssocID="{1CFA34DE-C7A8-4B3F-9D38-C81E42DB026D}" presName="rootConnector" presStyleLbl="node3" presStyleIdx="20" presStyleCnt="38"/>
       <dgm:spPr/>
+      <dgm:t>
+        <a:bodyPr/>
+        <a:lstStyle/>
+        <a:p>
+          <a:endParaRPr kumimoji="1" lang="ja-JP" altLang="en-US"/>
+        </a:p>
+      </dgm:t>
     </dgm:pt>
     <dgm:pt modelId="{FA1052D2-254C-4A00-8B94-4F1820059141}" type="pres">
       <dgm:prSet presAssocID="{1CFA34DE-C7A8-4B3F-9D38-C81E42DB026D}" presName="hierChild4" presStyleCnt="0"/>
@@ -4232,6 +4652,13 @@
     <dgm:pt modelId="{0D33BC43-32C8-4410-B8AA-5E72D3101D43}" type="pres">
       <dgm:prSet presAssocID="{CDF5109A-D3FC-47DF-85FF-2E5ACBEE7702}" presName="Name37" presStyleLbl="parChTrans1D3" presStyleIdx="21" presStyleCnt="38"/>
       <dgm:spPr/>
+      <dgm:t>
+        <a:bodyPr/>
+        <a:lstStyle/>
+        <a:p>
+          <a:endParaRPr kumimoji="1" lang="ja-JP" altLang="en-US"/>
+        </a:p>
+      </dgm:t>
     </dgm:pt>
     <dgm:pt modelId="{FF03C46D-3CB9-495B-9DAC-6E69A53A59A6}" type="pres">
       <dgm:prSet presAssocID="{42E3CEC6-F726-4477-8A02-989372B46F52}" presName="hierRoot2" presStyleCnt="0">
@@ -4252,10 +4679,24 @@
         </dgm:presLayoutVars>
       </dgm:prSet>
       <dgm:spPr/>
+      <dgm:t>
+        <a:bodyPr/>
+        <a:lstStyle/>
+        <a:p>
+          <a:endParaRPr kumimoji="1" lang="ja-JP" altLang="en-US"/>
+        </a:p>
+      </dgm:t>
     </dgm:pt>
     <dgm:pt modelId="{4D378566-6BF5-4671-884B-75765F13981F}" type="pres">
       <dgm:prSet presAssocID="{42E3CEC6-F726-4477-8A02-989372B46F52}" presName="rootConnector" presStyleLbl="node3" presStyleIdx="21" presStyleCnt="38"/>
       <dgm:spPr/>
+      <dgm:t>
+        <a:bodyPr/>
+        <a:lstStyle/>
+        <a:p>
+          <a:endParaRPr kumimoji="1" lang="ja-JP" altLang="en-US"/>
+        </a:p>
+      </dgm:t>
     </dgm:pt>
     <dgm:pt modelId="{F44CD5E3-93DF-496E-9C55-1EBEB3451ABA}" type="pres">
       <dgm:prSet presAssocID="{42E3CEC6-F726-4477-8A02-989372B46F52}" presName="hierChild4" presStyleCnt="0"/>
@@ -4325,6 +4766,13 @@
     <dgm:pt modelId="{278BEBA9-9387-4FA5-8BA8-1D4FF8A91317}" type="pres">
       <dgm:prSet presAssocID="{2CA75D04-2C61-4014-AB99-827FAA2A030F}" presName="Name37" presStyleLbl="parChTrans1D3" presStyleIdx="22" presStyleCnt="38"/>
       <dgm:spPr/>
+      <dgm:t>
+        <a:bodyPr/>
+        <a:lstStyle/>
+        <a:p>
+          <a:endParaRPr kumimoji="1" lang="ja-JP" altLang="en-US"/>
+        </a:p>
+      </dgm:t>
     </dgm:pt>
     <dgm:pt modelId="{8C9EACA4-AB5B-4E90-B2F8-BE28A730437D}" type="pres">
       <dgm:prSet presAssocID="{C4E2BDA7-327B-448E-8634-3CBC5A835F68}" presName="hierRoot2" presStyleCnt="0">
@@ -4345,10 +4793,24 @@
         </dgm:presLayoutVars>
       </dgm:prSet>
       <dgm:spPr/>
+      <dgm:t>
+        <a:bodyPr/>
+        <a:lstStyle/>
+        <a:p>
+          <a:endParaRPr kumimoji="1" lang="ja-JP" altLang="en-US"/>
+        </a:p>
+      </dgm:t>
     </dgm:pt>
     <dgm:pt modelId="{E876CF71-3400-439E-A10E-97DFA5BE60D3}" type="pres">
       <dgm:prSet presAssocID="{C4E2BDA7-327B-448E-8634-3CBC5A835F68}" presName="rootConnector" presStyleLbl="node3" presStyleIdx="22" presStyleCnt="38"/>
       <dgm:spPr/>
+      <dgm:t>
+        <a:bodyPr/>
+        <a:lstStyle/>
+        <a:p>
+          <a:endParaRPr kumimoji="1" lang="ja-JP" altLang="en-US"/>
+        </a:p>
+      </dgm:t>
     </dgm:pt>
     <dgm:pt modelId="{198890A8-ADA9-42D1-9B05-16914707E5C5}" type="pres">
       <dgm:prSet presAssocID="{C4E2BDA7-327B-448E-8634-3CBC5A835F68}" presName="hierChild4" presStyleCnt="0"/>
@@ -4361,6 +4823,13 @@
     <dgm:pt modelId="{8621549A-58DB-4ED7-8CF6-B4395DE5BA70}" type="pres">
       <dgm:prSet presAssocID="{DAD5C86F-000B-4AD8-A53A-A58FFD12C221}" presName="Name37" presStyleLbl="parChTrans1D3" presStyleIdx="23" presStyleCnt="38"/>
       <dgm:spPr/>
+      <dgm:t>
+        <a:bodyPr/>
+        <a:lstStyle/>
+        <a:p>
+          <a:endParaRPr kumimoji="1" lang="ja-JP" altLang="en-US"/>
+        </a:p>
+      </dgm:t>
     </dgm:pt>
     <dgm:pt modelId="{C02C9609-598F-4649-B081-3C2DDAA10056}" type="pres">
       <dgm:prSet presAssocID="{E7FA7101-C4B9-4A51-BA2F-D6D02DE66859}" presName="hierRoot2" presStyleCnt="0">
@@ -4381,10 +4850,24 @@
         </dgm:presLayoutVars>
       </dgm:prSet>
       <dgm:spPr/>
+      <dgm:t>
+        <a:bodyPr/>
+        <a:lstStyle/>
+        <a:p>
+          <a:endParaRPr kumimoji="1" lang="ja-JP" altLang="en-US"/>
+        </a:p>
+      </dgm:t>
     </dgm:pt>
     <dgm:pt modelId="{F5BFCFC2-BFEB-4EED-9380-5BBCA9971AD8}" type="pres">
       <dgm:prSet presAssocID="{E7FA7101-C4B9-4A51-BA2F-D6D02DE66859}" presName="rootConnector" presStyleLbl="node3" presStyleIdx="23" presStyleCnt="38"/>
       <dgm:spPr/>
+      <dgm:t>
+        <a:bodyPr/>
+        <a:lstStyle/>
+        <a:p>
+          <a:endParaRPr kumimoji="1" lang="ja-JP" altLang="en-US"/>
+        </a:p>
+      </dgm:t>
     </dgm:pt>
     <dgm:pt modelId="{9281634F-442A-4652-9CB5-717AF56D2B12}" type="pres">
       <dgm:prSet presAssocID="{E7FA7101-C4B9-4A51-BA2F-D6D02DE66859}" presName="hierChild4" presStyleCnt="0"/>
@@ -4454,6 +4937,13 @@
     <dgm:pt modelId="{BA1834E5-1EAB-40DD-B12C-66492D7F4731}" type="pres">
       <dgm:prSet presAssocID="{5AC52F42-539A-436A-8F80-ABAEEE1470B5}" presName="Name37" presStyleLbl="parChTrans1D3" presStyleIdx="24" presStyleCnt="38"/>
       <dgm:spPr/>
+      <dgm:t>
+        <a:bodyPr/>
+        <a:lstStyle/>
+        <a:p>
+          <a:endParaRPr kumimoji="1" lang="ja-JP" altLang="en-US"/>
+        </a:p>
+      </dgm:t>
     </dgm:pt>
     <dgm:pt modelId="{ED81E51D-3C83-49DE-9286-48F20272AE6F}" type="pres">
       <dgm:prSet presAssocID="{404341FB-5776-4411-9A0E-0E8B439D6085}" presName="hierRoot2" presStyleCnt="0">
@@ -4474,10 +4964,24 @@
         </dgm:presLayoutVars>
       </dgm:prSet>
       <dgm:spPr/>
+      <dgm:t>
+        <a:bodyPr/>
+        <a:lstStyle/>
+        <a:p>
+          <a:endParaRPr kumimoji="1" lang="ja-JP" altLang="en-US"/>
+        </a:p>
+      </dgm:t>
     </dgm:pt>
     <dgm:pt modelId="{924F16B9-8C70-49CB-9635-01E4DD3E300D}" type="pres">
       <dgm:prSet presAssocID="{404341FB-5776-4411-9A0E-0E8B439D6085}" presName="rootConnector" presStyleLbl="node3" presStyleIdx="24" presStyleCnt="38"/>
       <dgm:spPr/>
+      <dgm:t>
+        <a:bodyPr/>
+        <a:lstStyle/>
+        <a:p>
+          <a:endParaRPr kumimoji="1" lang="ja-JP" altLang="en-US"/>
+        </a:p>
+      </dgm:t>
     </dgm:pt>
     <dgm:pt modelId="{5587D002-38AE-411C-8705-3E23DB50A278}" type="pres">
       <dgm:prSet presAssocID="{404341FB-5776-4411-9A0E-0E8B439D6085}" presName="hierChild4" presStyleCnt="0"/>
@@ -4490,6 +4994,13 @@
     <dgm:pt modelId="{B97C3F62-D7FD-48FD-8704-79B1E46CDC5C}" type="pres">
       <dgm:prSet presAssocID="{442BD765-531E-475D-9E37-4BF19A74071F}" presName="Name37" presStyleLbl="parChTrans1D3" presStyleIdx="25" presStyleCnt="38"/>
       <dgm:spPr/>
+      <dgm:t>
+        <a:bodyPr/>
+        <a:lstStyle/>
+        <a:p>
+          <a:endParaRPr kumimoji="1" lang="ja-JP" altLang="en-US"/>
+        </a:p>
+      </dgm:t>
     </dgm:pt>
     <dgm:pt modelId="{90C6FC2C-D772-4B04-8ADD-B5FBB9A6A3B9}" type="pres">
       <dgm:prSet presAssocID="{9A6E8915-5448-4BC7-82E6-84ED0611AFCB}" presName="hierRoot2" presStyleCnt="0">
@@ -4510,10 +5021,24 @@
         </dgm:presLayoutVars>
       </dgm:prSet>
       <dgm:spPr/>
+      <dgm:t>
+        <a:bodyPr/>
+        <a:lstStyle/>
+        <a:p>
+          <a:endParaRPr kumimoji="1" lang="ja-JP" altLang="en-US"/>
+        </a:p>
+      </dgm:t>
     </dgm:pt>
     <dgm:pt modelId="{B21876CF-62E9-4F0D-97E1-06525E479372}" type="pres">
       <dgm:prSet presAssocID="{9A6E8915-5448-4BC7-82E6-84ED0611AFCB}" presName="rootConnector" presStyleLbl="node3" presStyleIdx="25" presStyleCnt="38"/>
       <dgm:spPr/>
+      <dgm:t>
+        <a:bodyPr/>
+        <a:lstStyle/>
+        <a:p>
+          <a:endParaRPr kumimoji="1" lang="ja-JP" altLang="en-US"/>
+        </a:p>
+      </dgm:t>
     </dgm:pt>
     <dgm:pt modelId="{B03D2E02-BDED-47B3-A3CA-82873FE52B03}" type="pres">
       <dgm:prSet presAssocID="{9A6E8915-5448-4BC7-82E6-84ED0611AFCB}" presName="hierChild4" presStyleCnt="0"/>
@@ -4526,6 +5051,13 @@
     <dgm:pt modelId="{2C00CCBC-1333-47DE-9F7C-97D2ECC006D2}" type="pres">
       <dgm:prSet presAssocID="{35805CCE-6CA1-4BD5-B31B-C5B014A8D579}" presName="Name37" presStyleLbl="parChTrans1D3" presStyleIdx="26" presStyleCnt="38"/>
       <dgm:spPr/>
+      <dgm:t>
+        <a:bodyPr/>
+        <a:lstStyle/>
+        <a:p>
+          <a:endParaRPr kumimoji="1" lang="ja-JP" altLang="en-US"/>
+        </a:p>
+      </dgm:t>
     </dgm:pt>
     <dgm:pt modelId="{609CC246-AA12-4789-9731-7118E6320BE8}" type="pres">
       <dgm:prSet presAssocID="{1ECEC9E6-E5EC-43E7-8308-C87835DD2836}" presName="hierRoot2" presStyleCnt="0">
@@ -4546,10 +5078,24 @@
         </dgm:presLayoutVars>
       </dgm:prSet>
       <dgm:spPr/>
+      <dgm:t>
+        <a:bodyPr/>
+        <a:lstStyle/>
+        <a:p>
+          <a:endParaRPr kumimoji="1" lang="ja-JP" altLang="en-US"/>
+        </a:p>
+      </dgm:t>
     </dgm:pt>
     <dgm:pt modelId="{EA6F4145-C987-4558-9968-42E36A528E31}" type="pres">
       <dgm:prSet presAssocID="{1ECEC9E6-E5EC-43E7-8308-C87835DD2836}" presName="rootConnector" presStyleLbl="node3" presStyleIdx="26" presStyleCnt="38"/>
       <dgm:spPr/>
+      <dgm:t>
+        <a:bodyPr/>
+        <a:lstStyle/>
+        <a:p>
+          <a:endParaRPr kumimoji="1" lang="ja-JP" altLang="en-US"/>
+        </a:p>
+      </dgm:t>
     </dgm:pt>
     <dgm:pt modelId="{C1EFD85C-03B7-44BB-9087-E0EDE2ADF225}" type="pres">
       <dgm:prSet presAssocID="{1ECEC9E6-E5EC-43E7-8308-C87835DD2836}" presName="hierChild4" presStyleCnt="0"/>
@@ -4619,6 +5165,13 @@
     <dgm:pt modelId="{62C8EE2F-34B4-41AB-B33A-69A9C7C0141B}" type="pres">
       <dgm:prSet presAssocID="{F5161DBD-5E30-482C-83A0-B4208685CE7C}" presName="Name37" presStyleLbl="parChTrans1D3" presStyleIdx="27" presStyleCnt="38"/>
       <dgm:spPr/>
+      <dgm:t>
+        <a:bodyPr/>
+        <a:lstStyle/>
+        <a:p>
+          <a:endParaRPr kumimoji="1" lang="ja-JP" altLang="en-US"/>
+        </a:p>
+      </dgm:t>
     </dgm:pt>
     <dgm:pt modelId="{3186DAEB-B22B-410E-AEC0-50C0F46DEA8B}" type="pres">
       <dgm:prSet presAssocID="{B78B5279-953C-44D0-8467-24D474E5EC7B}" presName="hierRoot2" presStyleCnt="0">
@@ -4650,6 +5203,13 @@
     <dgm:pt modelId="{A28D1401-DBF5-4B32-8FEE-A82AABE1030B}" type="pres">
       <dgm:prSet presAssocID="{B78B5279-953C-44D0-8467-24D474E5EC7B}" presName="rootConnector" presStyleLbl="node3" presStyleIdx="27" presStyleCnt="38"/>
       <dgm:spPr/>
+      <dgm:t>
+        <a:bodyPr/>
+        <a:lstStyle/>
+        <a:p>
+          <a:endParaRPr kumimoji="1" lang="ja-JP" altLang="en-US"/>
+        </a:p>
+      </dgm:t>
     </dgm:pt>
     <dgm:pt modelId="{0CC342C8-4350-4A7B-9E19-CC6948D4CB5E}" type="pres">
       <dgm:prSet presAssocID="{B78B5279-953C-44D0-8467-24D474E5EC7B}" presName="hierChild4" presStyleCnt="0"/>
@@ -4662,6 +5222,13 @@
     <dgm:pt modelId="{42C5CBC2-3127-4F62-8EEA-BCA18828866D}" type="pres">
       <dgm:prSet presAssocID="{FDA7E29C-B34C-4210-AA0B-886BD3906868}" presName="Name37" presStyleLbl="parChTrans1D3" presStyleIdx="28" presStyleCnt="38"/>
       <dgm:spPr/>
+      <dgm:t>
+        <a:bodyPr/>
+        <a:lstStyle/>
+        <a:p>
+          <a:endParaRPr kumimoji="1" lang="ja-JP" altLang="en-US"/>
+        </a:p>
+      </dgm:t>
     </dgm:pt>
     <dgm:pt modelId="{42ED6425-4479-4264-9E26-1B6F88702E4A}" type="pres">
       <dgm:prSet presAssocID="{F1060AE9-7CA3-4E9E-BB14-E12B57704B71}" presName="hierRoot2" presStyleCnt="0">
@@ -4682,10 +5249,24 @@
         </dgm:presLayoutVars>
       </dgm:prSet>
       <dgm:spPr/>
+      <dgm:t>
+        <a:bodyPr/>
+        <a:lstStyle/>
+        <a:p>
+          <a:endParaRPr kumimoji="1" lang="ja-JP" altLang="en-US"/>
+        </a:p>
+      </dgm:t>
     </dgm:pt>
     <dgm:pt modelId="{893F6670-3935-462F-86D8-AE441EDB31AA}" type="pres">
       <dgm:prSet presAssocID="{F1060AE9-7CA3-4E9E-BB14-E12B57704B71}" presName="rootConnector" presStyleLbl="node3" presStyleIdx="28" presStyleCnt="38"/>
       <dgm:spPr/>
+      <dgm:t>
+        <a:bodyPr/>
+        <a:lstStyle/>
+        <a:p>
+          <a:endParaRPr kumimoji="1" lang="ja-JP" altLang="en-US"/>
+        </a:p>
+      </dgm:t>
     </dgm:pt>
     <dgm:pt modelId="{1652C7D3-BDB3-4EDA-AE75-D7EA9A0BDB21}" type="pres">
       <dgm:prSet presAssocID="{F1060AE9-7CA3-4E9E-BB14-E12B57704B71}" presName="hierChild4" presStyleCnt="0"/>
@@ -4755,6 +5336,13 @@
     <dgm:pt modelId="{18B3D174-1489-4DC9-AF5E-938AC1002D8D}" type="pres">
       <dgm:prSet presAssocID="{B45E07D9-823F-441A-9BA4-20C4BC105B59}" presName="Name37" presStyleLbl="parChTrans1D3" presStyleIdx="29" presStyleCnt="38"/>
       <dgm:spPr/>
+      <dgm:t>
+        <a:bodyPr/>
+        <a:lstStyle/>
+        <a:p>
+          <a:endParaRPr kumimoji="1" lang="ja-JP" altLang="en-US"/>
+        </a:p>
+      </dgm:t>
     </dgm:pt>
     <dgm:pt modelId="{A882EEDA-8F87-4F82-B5B5-D6507818681C}" type="pres">
       <dgm:prSet presAssocID="{A54E9246-FF3F-41F8-A61C-0422662625E4}" presName="hierRoot2" presStyleCnt="0">
@@ -4775,10 +5363,24 @@
         </dgm:presLayoutVars>
       </dgm:prSet>
       <dgm:spPr/>
+      <dgm:t>
+        <a:bodyPr/>
+        <a:lstStyle/>
+        <a:p>
+          <a:endParaRPr kumimoji="1" lang="ja-JP" altLang="en-US"/>
+        </a:p>
+      </dgm:t>
     </dgm:pt>
     <dgm:pt modelId="{02C5B08B-F4F5-4E7D-AC0D-0A7B6B6D79D7}" type="pres">
       <dgm:prSet presAssocID="{A54E9246-FF3F-41F8-A61C-0422662625E4}" presName="rootConnector" presStyleLbl="node3" presStyleIdx="29" presStyleCnt="38"/>
       <dgm:spPr/>
+      <dgm:t>
+        <a:bodyPr/>
+        <a:lstStyle/>
+        <a:p>
+          <a:endParaRPr kumimoji="1" lang="ja-JP" altLang="en-US"/>
+        </a:p>
+      </dgm:t>
     </dgm:pt>
     <dgm:pt modelId="{AD8269E3-F440-4FA9-A43E-4289C527FD82}" type="pres">
       <dgm:prSet presAssocID="{A54E9246-FF3F-41F8-A61C-0422662625E4}" presName="hierChild4" presStyleCnt="0"/>
@@ -4791,6 +5393,13 @@
     <dgm:pt modelId="{18A3A607-C546-4BB4-8F48-FAD8807AF501}" type="pres">
       <dgm:prSet presAssocID="{71F403D4-B092-4685-BA15-9D95C74EC240}" presName="Name37" presStyleLbl="parChTrans1D3" presStyleIdx="30" presStyleCnt="38"/>
       <dgm:spPr/>
+      <dgm:t>
+        <a:bodyPr/>
+        <a:lstStyle/>
+        <a:p>
+          <a:endParaRPr kumimoji="1" lang="ja-JP" altLang="en-US"/>
+        </a:p>
+      </dgm:t>
     </dgm:pt>
     <dgm:pt modelId="{6123052C-1582-490D-AAC2-52D95991B48F}" type="pres">
       <dgm:prSet presAssocID="{46AEDBC0-C49E-4EC3-9804-1E5CC9DECEC2}" presName="hierRoot2" presStyleCnt="0">
@@ -4811,10 +5420,24 @@
         </dgm:presLayoutVars>
       </dgm:prSet>
       <dgm:spPr/>
+      <dgm:t>
+        <a:bodyPr/>
+        <a:lstStyle/>
+        <a:p>
+          <a:endParaRPr kumimoji="1" lang="ja-JP" altLang="en-US"/>
+        </a:p>
+      </dgm:t>
     </dgm:pt>
     <dgm:pt modelId="{A5C0D38C-B7E3-4E8D-859C-0A804D5900E5}" type="pres">
       <dgm:prSet presAssocID="{46AEDBC0-C49E-4EC3-9804-1E5CC9DECEC2}" presName="rootConnector" presStyleLbl="node3" presStyleIdx="30" presStyleCnt="38"/>
       <dgm:spPr/>
+      <dgm:t>
+        <a:bodyPr/>
+        <a:lstStyle/>
+        <a:p>
+          <a:endParaRPr kumimoji="1" lang="ja-JP" altLang="en-US"/>
+        </a:p>
+      </dgm:t>
     </dgm:pt>
     <dgm:pt modelId="{BB45488D-EDE6-4933-91B8-D3C042A124DF}" type="pres">
       <dgm:prSet presAssocID="{46AEDBC0-C49E-4EC3-9804-1E5CC9DECEC2}" presName="hierChild4" presStyleCnt="0"/>
@@ -4827,6 +5450,13 @@
     <dgm:pt modelId="{FF2B95E3-B094-435D-A4BA-A52C13843DC0}" type="pres">
       <dgm:prSet presAssocID="{03F3748C-7335-4901-9230-5A6EB679D7B3}" presName="Name37" presStyleLbl="parChTrans1D3" presStyleIdx="31" presStyleCnt="38"/>
       <dgm:spPr/>
+      <dgm:t>
+        <a:bodyPr/>
+        <a:lstStyle/>
+        <a:p>
+          <a:endParaRPr kumimoji="1" lang="ja-JP" altLang="en-US"/>
+        </a:p>
+      </dgm:t>
     </dgm:pt>
     <dgm:pt modelId="{25F2832A-DE77-40C7-8A02-C4DF03323D38}" type="pres">
       <dgm:prSet presAssocID="{48BDDC1B-46AE-4CC1-AE35-A9C29F32346F}" presName="hierRoot2" presStyleCnt="0">
@@ -4847,10 +5477,24 @@
         </dgm:presLayoutVars>
       </dgm:prSet>
       <dgm:spPr/>
+      <dgm:t>
+        <a:bodyPr/>
+        <a:lstStyle/>
+        <a:p>
+          <a:endParaRPr kumimoji="1" lang="ja-JP" altLang="en-US"/>
+        </a:p>
+      </dgm:t>
     </dgm:pt>
     <dgm:pt modelId="{8BDDB900-CCF4-4394-AEC1-7A5F52CD51B4}" type="pres">
       <dgm:prSet presAssocID="{48BDDC1B-46AE-4CC1-AE35-A9C29F32346F}" presName="rootConnector" presStyleLbl="node3" presStyleIdx="31" presStyleCnt="38"/>
       <dgm:spPr/>
+      <dgm:t>
+        <a:bodyPr/>
+        <a:lstStyle/>
+        <a:p>
+          <a:endParaRPr kumimoji="1" lang="ja-JP" altLang="en-US"/>
+        </a:p>
+      </dgm:t>
     </dgm:pt>
     <dgm:pt modelId="{3A47B751-2B53-44B0-AED8-82E2FB5D62BE}" type="pres">
       <dgm:prSet presAssocID="{48BDDC1B-46AE-4CC1-AE35-A9C29F32346F}" presName="hierChild4" presStyleCnt="0"/>
@@ -4863,6 +5507,13 @@
     <dgm:pt modelId="{0DA0035C-598F-4998-A262-7C054D52831C}" type="pres">
       <dgm:prSet presAssocID="{D987A211-BCDA-4B2C-B112-9CCCAB4C35B9}" presName="Name37" presStyleLbl="parChTrans1D3" presStyleIdx="32" presStyleCnt="38"/>
       <dgm:spPr/>
+      <dgm:t>
+        <a:bodyPr/>
+        <a:lstStyle/>
+        <a:p>
+          <a:endParaRPr kumimoji="1" lang="ja-JP" altLang="en-US"/>
+        </a:p>
+      </dgm:t>
     </dgm:pt>
     <dgm:pt modelId="{AA46BBF4-BB38-4503-A9F4-89DD34DA57ED}" type="pres">
       <dgm:prSet presAssocID="{DF90DCD8-2912-4B2A-AF70-A9E21AEFC1E5}" presName="hierRoot2" presStyleCnt="0">
@@ -4883,10 +5534,24 @@
         </dgm:presLayoutVars>
       </dgm:prSet>
       <dgm:spPr/>
+      <dgm:t>
+        <a:bodyPr/>
+        <a:lstStyle/>
+        <a:p>
+          <a:endParaRPr kumimoji="1" lang="ja-JP" altLang="en-US"/>
+        </a:p>
+      </dgm:t>
     </dgm:pt>
     <dgm:pt modelId="{A0EF1218-BB80-4FAE-AEF8-4AF7B584D6AD}" type="pres">
       <dgm:prSet presAssocID="{DF90DCD8-2912-4B2A-AF70-A9E21AEFC1E5}" presName="rootConnector" presStyleLbl="node3" presStyleIdx="32" presStyleCnt="38"/>
       <dgm:spPr/>
+      <dgm:t>
+        <a:bodyPr/>
+        <a:lstStyle/>
+        <a:p>
+          <a:endParaRPr kumimoji="1" lang="ja-JP" altLang="en-US"/>
+        </a:p>
+      </dgm:t>
     </dgm:pt>
     <dgm:pt modelId="{5D7C0E71-1453-4A6F-97DB-F80C31B63CCC}" type="pres">
       <dgm:prSet presAssocID="{DF90DCD8-2912-4B2A-AF70-A9E21AEFC1E5}" presName="hierChild4" presStyleCnt="0"/>
@@ -4956,6 +5621,13 @@
     <dgm:pt modelId="{F4639D07-DD80-4B2C-A518-EB4F247E87C9}" type="pres">
       <dgm:prSet presAssocID="{12F258B6-8644-4ED1-B485-045CADA4D432}" presName="Name37" presStyleLbl="parChTrans1D3" presStyleIdx="33" presStyleCnt="38"/>
       <dgm:spPr/>
+      <dgm:t>
+        <a:bodyPr/>
+        <a:lstStyle/>
+        <a:p>
+          <a:endParaRPr kumimoji="1" lang="ja-JP" altLang="en-US"/>
+        </a:p>
+      </dgm:t>
     </dgm:pt>
     <dgm:pt modelId="{DE414D9A-00EE-4457-91D0-583B8C63C4FD}" type="pres">
       <dgm:prSet presAssocID="{FEB2E8DF-AA96-4172-9A53-1F1AA4D1EB4C}" presName="hierRoot2" presStyleCnt="0">
@@ -4976,10 +5648,24 @@
         </dgm:presLayoutVars>
       </dgm:prSet>
       <dgm:spPr/>
+      <dgm:t>
+        <a:bodyPr/>
+        <a:lstStyle/>
+        <a:p>
+          <a:endParaRPr kumimoji="1" lang="ja-JP" altLang="en-US"/>
+        </a:p>
+      </dgm:t>
     </dgm:pt>
     <dgm:pt modelId="{6EC9BC29-1AB9-4B56-9E94-6C73A79A79CD}" type="pres">
       <dgm:prSet presAssocID="{FEB2E8DF-AA96-4172-9A53-1F1AA4D1EB4C}" presName="rootConnector" presStyleLbl="node3" presStyleIdx="33" presStyleCnt="38"/>
       <dgm:spPr/>
+      <dgm:t>
+        <a:bodyPr/>
+        <a:lstStyle/>
+        <a:p>
+          <a:endParaRPr kumimoji="1" lang="ja-JP" altLang="en-US"/>
+        </a:p>
+      </dgm:t>
     </dgm:pt>
     <dgm:pt modelId="{17783D1A-0D36-4A0C-8752-C88A4EA1D6FC}" type="pres">
       <dgm:prSet presAssocID="{FEB2E8DF-AA96-4172-9A53-1F1AA4D1EB4C}" presName="hierChild4" presStyleCnt="0"/>
@@ -5049,6 +5735,13 @@
     <dgm:pt modelId="{5BA8352B-10A0-4DE7-BAE1-1131A6DB9350}" type="pres">
       <dgm:prSet presAssocID="{B0DDD174-3AB6-4DF2-A376-F1DA57B4E52D}" presName="Name37" presStyleLbl="parChTrans1D3" presStyleIdx="34" presStyleCnt="38"/>
       <dgm:spPr/>
+      <dgm:t>
+        <a:bodyPr/>
+        <a:lstStyle/>
+        <a:p>
+          <a:endParaRPr kumimoji="1" lang="ja-JP" altLang="en-US"/>
+        </a:p>
+      </dgm:t>
     </dgm:pt>
     <dgm:pt modelId="{BADD87E5-E4A3-4F94-81DB-7167D9EB0476}" type="pres">
       <dgm:prSet presAssocID="{6DFE6DCA-4FE3-4F08-8F33-7BB5B38E4D6B}" presName="hierRoot2" presStyleCnt="0">
@@ -5069,10 +5762,24 @@
         </dgm:presLayoutVars>
       </dgm:prSet>
       <dgm:spPr/>
+      <dgm:t>
+        <a:bodyPr/>
+        <a:lstStyle/>
+        <a:p>
+          <a:endParaRPr kumimoji="1" lang="ja-JP" altLang="en-US"/>
+        </a:p>
+      </dgm:t>
     </dgm:pt>
     <dgm:pt modelId="{1FBF71E6-7317-4342-B0D8-983346D1DEEB}" type="pres">
       <dgm:prSet presAssocID="{6DFE6DCA-4FE3-4F08-8F33-7BB5B38E4D6B}" presName="rootConnector" presStyleLbl="node3" presStyleIdx="34" presStyleCnt="38"/>
       <dgm:spPr/>
+      <dgm:t>
+        <a:bodyPr/>
+        <a:lstStyle/>
+        <a:p>
+          <a:endParaRPr kumimoji="1" lang="ja-JP" altLang="en-US"/>
+        </a:p>
+      </dgm:t>
     </dgm:pt>
     <dgm:pt modelId="{3DAD4118-5B50-440C-99D9-28457EFC883F}" type="pres">
       <dgm:prSet presAssocID="{6DFE6DCA-4FE3-4F08-8F33-7BB5B38E4D6B}" presName="hierChild4" presStyleCnt="0"/>
@@ -5085,6 +5792,13 @@
     <dgm:pt modelId="{260131A4-542B-45D7-9124-2A367D89FCC0}" type="pres">
       <dgm:prSet presAssocID="{13C9FE55-2713-4B32-A9C1-F524DCF987FD}" presName="Name37" presStyleLbl="parChTrans1D3" presStyleIdx="35" presStyleCnt="38"/>
       <dgm:spPr/>
+      <dgm:t>
+        <a:bodyPr/>
+        <a:lstStyle/>
+        <a:p>
+          <a:endParaRPr kumimoji="1" lang="ja-JP" altLang="en-US"/>
+        </a:p>
+      </dgm:t>
     </dgm:pt>
     <dgm:pt modelId="{2B40F619-BA32-4EF2-BFE4-8508ABFF700A}" type="pres">
       <dgm:prSet presAssocID="{449EDA4E-D32C-4FC4-9903-84F467745F85}" presName="hierRoot2" presStyleCnt="0">
@@ -5105,10 +5819,24 @@
         </dgm:presLayoutVars>
       </dgm:prSet>
       <dgm:spPr/>
+      <dgm:t>
+        <a:bodyPr/>
+        <a:lstStyle/>
+        <a:p>
+          <a:endParaRPr kumimoji="1" lang="ja-JP" altLang="en-US"/>
+        </a:p>
+      </dgm:t>
     </dgm:pt>
     <dgm:pt modelId="{1A168772-3463-4333-A768-1A7871938FD0}" type="pres">
       <dgm:prSet presAssocID="{449EDA4E-D32C-4FC4-9903-84F467745F85}" presName="rootConnector" presStyleLbl="node3" presStyleIdx="35" presStyleCnt="38"/>
       <dgm:spPr/>
+      <dgm:t>
+        <a:bodyPr/>
+        <a:lstStyle/>
+        <a:p>
+          <a:endParaRPr kumimoji="1" lang="ja-JP" altLang="en-US"/>
+        </a:p>
+      </dgm:t>
     </dgm:pt>
     <dgm:pt modelId="{8B88A8A7-FF54-4DF6-8CC8-27E128E526F7}" type="pres">
       <dgm:prSet presAssocID="{449EDA4E-D32C-4FC4-9903-84F467745F85}" presName="hierChild4" presStyleCnt="0"/>
@@ -5121,6 +5849,13 @@
     <dgm:pt modelId="{48911E4F-917C-483A-A29B-8E6C39770E9B}" type="pres">
       <dgm:prSet presAssocID="{A709DAAA-8F12-457E-982D-95C00B18EA38}" presName="Name37" presStyleLbl="parChTrans1D3" presStyleIdx="36" presStyleCnt="38"/>
       <dgm:spPr/>
+      <dgm:t>
+        <a:bodyPr/>
+        <a:lstStyle/>
+        <a:p>
+          <a:endParaRPr kumimoji="1" lang="ja-JP" altLang="en-US"/>
+        </a:p>
+      </dgm:t>
     </dgm:pt>
     <dgm:pt modelId="{4B04466B-3D3E-4CA3-B36A-74B2FFB2051C}" type="pres">
       <dgm:prSet presAssocID="{A94EE4D4-4B54-4C11-AB4D-1DFF2780D6AD}" presName="hierRoot2" presStyleCnt="0">
@@ -5141,10 +5876,24 @@
         </dgm:presLayoutVars>
       </dgm:prSet>
       <dgm:spPr/>
+      <dgm:t>
+        <a:bodyPr/>
+        <a:lstStyle/>
+        <a:p>
+          <a:endParaRPr kumimoji="1" lang="ja-JP" altLang="en-US"/>
+        </a:p>
+      </dgm:t>
     </dgm:pt>
     <dgm:pt modelId="{40F2A899-26F3-4661-8CC6-92C1A0189D2D}" type="pres">
       <dgm:prSet presAssocID="{A94EE4D4-4B54-4C11-AB4D-1DFF2780D6AD}" presName="rootConnector" presStyleLbl="node3" presStyleIdx="36" presStyleCnt="38"/>
       <dgm:spPr/>
+      <dgm:t>
+        <a:bodyPr/>
+        <a:lstStyle/>
+        <a:p>
+          <a:endParaRPr kumimoji="1" lang="ja-JP" altLang="en-US"/>
+        </a:p>
+      </dgm:t>
     </dgm:pt>
     <dgm:pt modelId="{95FE6822-DD3D-4984-8551-86BCEEF67DA1}" type="pres">
       <dgm:prSet presAssocID="{A94EE4D4-4B54-4C11-AB4D-1DFF2780D6AD}" presName="hierChild4" presStyleCnt="0"/>
@@ -5157,6 +5906,13 @@
     <dgm:pt modelId="{1314AE9E-7654-4076-833A-BA341D6CDBB6}" type="pres">
       <dgm:prSet presAssocID="{00ECAC6E-1AFF-49F9-AAA6-E0FA114F4301}" presName="Name37" presStyleLbl="parChTrans1D3" presStyleIdx="37" presStyleCnt="38"/>
       <dgm:spPr/>
+      <dgm:t>
+        <a:bodyPr/>
+        <a:lstStyle/>
+        <a:p>
+          <a:endParaRPr kumimoji="1" lang="ja-JP" altLang="en-US"/>
+        </a:p>
+      </dgm:t>
     </dgm:pt>
     <dgm:pt modelId="{2D2FEBDC-D6A3-4A34-A999-4A7B1CF24A36}" type="pres">
       <dgm:prSet presAssocID="{5542DC67-933C-4691-B340-4BBFBBD52AEB}" presName="hierRoot2" presStyleCnt="0">
@@ -5177,10 +5933,24 @@
         </dgm:presLayoutVars>
       </dgm:prSet>
       <dgm:spPr/>
+      <dgm:t>
+        <a:bodyPr/>
+        <a:lstStyle/>
+        <a:p>
+          <a:endParaRPr kumimoji="1" lang="ja-JP" altLang="en-US"/>
+        </a:p>
+      </dgm:t>
     </dgm:pt>
     <dgm:pt modelId="{48B48A17-D10D-4BA4-92BB-74FAB5F73257}" type="pres">
       <dgm:prSet presAssocID="{5542DC67-933C-4691-B340-4BBFBBD52AEB}" presName="rootConnector" presStyleLbl="node3" presStyleIdx="37" presStyleCnt="38"/>
       <dgm:spPr/>
+      <dgm:t>
+        <a:bodyPr/>
+        <a:lstStyle/>
+        <a:p>
+          <a:endParaRPr kumimoji="1" lang="ja-JP" altLang="en-US"/>
+        </a:p>
+      </dgm:t>
     </dgm:pt>
     <dgm:pt modelId="{41FFA50B-A6F6-414C-BA9A-FD0208710FCB}" type="pres">
       <dgm:prSet presAssocID="{5542DC67-933C-4691-B340-4BBFBBD52AEB}" presName="hierChild4" presStyleCnt="0"/>
@@ -5220,8 +5990,8 @@
     <dgm:cxn modelId="{9A28E5E5-B5B9-4C7A-9562-A17849F95063}" type="presOf" srcId="{5F6934E2-3652-47FD-9F4E-35ACC42FA03E}" destId="{660BE250-A19A-42F1-AAE4-EA211AE7758D}" srcOrd="0" destOrd="0" presId="urn:microsoft.com/office/officeart/2005/8/layout/orgChart1"/>
     <dgm:cxn modelId="{0F2952EA-DDD4-4563-BBDE-3439708D74D7}" srcId="{4110912D-BAC3-44F2-BA1A-66065B83F3C1}" destId="{C57EE834-9F6A-4FCF-ABCE-8F96FC355C5A}" srcOrd="0" destOrd="0" parTransId="{8AB432BB-64E1-4627-9758-5FB99EC7B0CB}" sibTransId="{15F8C960-B0E2-4886-8407-02376DF96999}"/>
     <dgm:cxn modelId="{B8A514C1-00CB-4BC5-ABA3-109D884B67AA}" type="presOf" srcId="{442BD765-531E-475D-9E37-4BF19A74071F}" destId="{B97C3F62-D7FD-48FD-8704-79B1E46CDC5C}" srcOrd="0" destOrd="0" presId="urn:microsoft.com/office/officeart/2005/8/layout/orgChart1"/>
+    <dgm:cxn modelId="{541BE9A9-80DD-4429-B12E-3310C6DFD4AE}" type="presOf" srcId="{E3F33888-5BCD-42B0-B176-C38061FFB7E6}" destId="{E78EF2CB-1688-4159-99D0-E72A571BFC47}" srcOrd="0" destOrd="0" presId="urn:microsoft.com/office/officeart/2005/8/layout/orgChart1"/>
     <dgm:cxn modelId="{D70BD650-2333-4B35-9EBB-471B19A4BD00}" type="presOf" srcId="{A94EE4D4-4B54-4C11-AB4D-1DFF2780D6AD}" destId="{104998FE-93B6-4016-8412-EDB9FF9921AB}" srcOrd="0" destOrd="0" presId="urn:microsoft.com/office/officeart/2005/8/layout/orgChart1"/>
-    <dgm:cxn modelId="{541BE9A9-80DD-4429-B12E-3310C6DFD4AE}" type="presOf" srcId="{E3F33888-5BCD-42B0-B176-C38061FFB7E6}" destId="{E78EF2CB-1688-4159-99D0-E72A571BFC47}" srcOrd="0" destOrd="0" presId="urn:microsoft.com/office/officeart/2005/8/layout/orgChart1"/>
     <dgm:cxn modelId="{9F93C4D1-2706-4EAB-B789-5F188BEAC2A6}" type="presOf" srcId="{02CC6D53-61C4-4061-95F8-0D25EE0DBD4B}" destId="{7CBD001C-7349-4755-8147-CFB34F1F600A}" srcOrd="1" destOrd="0" presId="urn:microsoft.com/office/officeart/2005/8/layout/orgChart1"/>
     <dgm:cxn modelId="{7796BF02-5AFC-4A5B-8E47-D1DDFAAF62CC}" type="presOf" srcId="{1ECEC9E6-E5EC-43E7-8308-C87835DD2836}" destId="{232B6BA8-97AF-4A6C-95BD-C871C2602B78}" srcOrd="0" destOrd="0" presId="urn:microsoft.com/office/officeart/2005/8/layout/orgChart1"/>
     <dgm:cxn modelId="{ABEE2105-5ECF-449F-AE7D-948F9687C3D9}" type="presOf" srcId="{5145E2CE-34B5-4564-B859-C66B4264E7C8}" destId="{EF59B054-1AE5-4D32-85B3-DB5BD95C2AFA}" srcOrd="1" destOrd="0" presId="urn:microsoft.com/office/officeart/2005/8/layout/orgChart1"/>
@@ -15480,7 +16250,7 @@
           <a:p>
             <a:fld id="{CCF44DCF-00B5-4A58-98CE-C5262B0DC4B1}" type="datetimeFigureOut">
               <a:rPr kumimoji="1" lang="ja-JP" altLang="en-US" smtClean="0"/>
-              <a:t>2015/5/1</a:t>
+              <a:t>2015/5/7</a:t>
             </a:fld>
             <a:endParaRPr kumimoji="1" lang="ja-JP" altLang="en-US"/>
           </a:p>
@@ -15682,7 +16452,7 @@
           <a:p>
             <a:fld id="{CCF44DCF-00B5-4A58-98CE-C5262B0DC4B1}" type="datetimeFigureOut">
               <a:rPr kumimoji="1" lang="ja-JP" altLang="en-US" smtClean="0"/>
-              <a:t>2015/5/1</a:t>
+              <a:t>2015/5/7</a:t>
             </a:fld>
             <a:endParaRPr kumimoji="1" lang="ja-JP" altLang="en-US"/>
           </a:p>
@@ -15894,7 +16664,7 @@
           <a:p>
             <a:fld id="{CCF44DCF-00B5-4A58-98CE-C5262B0DC4B1}" type="datetimeFigureOut">
               <a:rPr kumimoji="1" lang="ja-JP" altLang="en-US" smtClean="0"/>
-              <a:t>2015/5/1</a:t>
+              <a:t>2015/5/7</a:t>
             </a:fld>
             <a:endParaRPr kumimoji="1" lang="ja-JP" altLang="en-US"/>
           </a:p>
@@ -16096,7 +16866,7 @@
           <a:p>
             <a:fld id="{CCF44DCF-00B5-4A58-98CE-C5262B0DC4B1}" type="datetimeFigureOut">
               <a:rPr kumimoji="1" lang="ja-JP" altLang="en-US" smtClean="0"/>
-              <a:t>2015/5/1</a:t>
+              <a:t>2015/5/7</a:t>
             </a:fld>
             <a:endParaRPr kumimoji="1" lang="ja-JP" altLang="en-US"/>
           </a:p>
@@ -16342,7 +17112,7 @@
           <a:p>
             <a:fld id="{CCF44DCF-00B5-4A58-98CE-C5262B0DC4B1}" type="datetimeFigureOut">
               <a:rPr kumimoji="1" lang="ja-JP" altLang="en-US" smtClean="0"/>
-              <a:t>2015/5/1</a:t>
+              <a:t>2015/5/7</a:t>
             </a:fld>
             <a:endParaRPr kumimoji="1" lang="ja-JP" altLang="en-US"/>
           </a:p>
@@ -16694,7 +17464,7 @@
           <a:p>
             <a:fld id="{CCF44DCF-00B5-4A58-98CE-C5262B0DC4B1}" type="datetimeFigureOut">
               <a:rPr kumimoji="1" lang="ja-JP" altLang="en-US" smtClean="0"/>
-              <a:t>2015/5/1</a:t>
+              <a:t>2015/5/7</a:t>
             </a:fld>
             <a:endParaRPr kumimoji="1" lang="ja-JP" altLang="en-US"/>
           </a:p>
@@ -17180,7 +17950,7 @@
           <a:p>
             <a:fld id="{CCF44DCF-00B5-4A58-98CE-C5262B0DC4B1}" type="datetimeFigureOut">
               <a:rPr kumimoji="1" lang="ja-JP" altLang="en-US" smtClean="0"/>
-              <a:t>2015/5/1</a:t>
+              <a:t>2015/5/7</a:t>
             </a:fld>
             <a:endParaRPr kumimoji="1" lang="ja-JP" altLang="en-US"/>
           </a:p>
@@ -17298,7 +18068,7 @@
           <a:p>
             <a:fld id="{CCF44DCF-00B5-4A58-98CE-C5262B0DC4B1}" type="datetimeFigureOut">
               <a:rPr kumimoji="1" lang="ja-JP" altLang="en-US" smtClean="0"/>
-              <a:t>2015/5/1</a:t>
+              <a:t>2015/5/7</a:t>
             </a:fld>
             <a:endParaRPr kumimoji="1" lang="ja-JP" altLang="en-US"/>
           </a:p>
@@ -17393,7 +18163,7 @@
           <a:p>
             <a:fld id="{CCF44DCF-00B5-4A58-98CE-C5262B0DC4B1}" type="datetimeFigureOut">
               <a:rPr kumimoji="1" lang="ja-JP" altLang="en-US" smtClean="0"/>
-              <a:t>2015/5/1</a:t>
+              <a:t>2015/5/7</a:t>
             </a:fld>
             <a:endParaRPr kumimoji="1" lang="ja-JP" altLang="en-US"/>
           </a:p>
@@ -17702,7 +18472,7 @@
           <a:p>
             <a:fld id="{CCF44DCF-00B5-4A58-98CE-C5262B0DC4B1}" type="datetimeFigureOut">
               <a:rPr kumimoji="1" lang="ja-JP" altLang="en-US" smtClean="0"/>
-              <a:t>2015/5/1</a:t>
+              <a:t>2015/5/7</a:t>
             </a:fld>
             <a:endParaRPr kumimoji="1" lang="ja-JP" altLang="en-US"/>
           </a:p>
@@ -17955,7 +18725,7 @@
           <a:p>
             <a:fld id="{CCF44DCF-00B5-4A58-98CE-C5262B0DC4B1}" type="datetimeFigureOut">
               <a:rPr kumimoji="1" lang="ja-JP" altLang="en-US" smtClean="0"/>
-              <a:t>2015/5/1</a:t>
+              <a:t>2015/5/7</a:t>
             </a:fld>
             <a:endParaRPr kumimoji="1" lang="ja-JP" altLang="en-US"/>
           </a:p>
@@ -18200,7 +18970,7 @@
           <a:p>
             <a:fld id="{CCF44DCF-00B5-4A58-98CE-C5262B0DC4B1}" type="datetimeFigureOut">
               <a:rPr kumimoji="1" lang="ja-JP" altLang="en-US" smtClean="0"/>
-              <a:t>2015/5/1</a:t>
+              <a:t>2015/5/7</a:t>
             </a:fld>
             <a:endParaRPr kumimoji="1" lang="ja-JP" altLang="en-US"/>
           </a:p>
